--- a/Team11_Sprint1_Presentation.pptx
+++ b/Team11_Sprint1_Presentation.pptx
@@ -10,6 +10,8 @@
     <p:sldId id="257" r:id="rId4"/>
     <p:sldId id="259" r:id="rId5"/>
     <p:sldId id="260" r:id="rId6"/>
+    <p:sldId id="261" r:id="rId7"/>
+    <p:sldId id="262" r:id="rId8"/>
   </p:sldIdLst>
   <p:sldSz cx="9144000" cy="6858000" type="screen4x3"/>
   <p:notesSz cx="6858000" cy="9144000"/>
@@ -108,6 +110,22 @@
       </a:defRPr>
     </a:lvl9pPr>
   </p:defaultTextStyle>
+  <p:extLst>
+    <p:ext uri="{EFAFB233-063F-42B5-8137-9DF3F51BA10A}">
+      <p15:sldGuideLst xmlns:p15="http://schemas.microsoft.com/office/powerpoint/2012/main">
+        <p15:guide id="1" orient="horz" pos="2160">
+          <p15:clr>
+            <a:srgbClr val="A4A3A4"/>
+          </p15:clr>
+        </p15:guide>
+        <p15:guide id="2" pos="2880">
+          <p15:clr>
+            <a:srgbClr val="A4A3A4"/>
+          </p15:clr>
+        </p15:guide>
+      </p15:sldGuideLst>
+    </p:ext>
+  </p:extLst>
 </p:presentation>
 </file>
 
@@ -3557,7 +3575,6 @@
               <a:rPr lang="en-US" dirty="0"/>
               <a:t>Software Development Plan</a:t>
             </a:r>
-            <a:endParaRPr lang="en-US" dirty="0"/>
           </a:p>
         </p:txBody>
       </p:sp>
@@ -3639,21 +3656,50 @@
           <a:lstStyle/>
           <a:p>
             <a:r>
+              <a:rPr lang="en-US" dirty="0" smtClean="0"/>
+              <a:t>O</a:t>
+            </a:r>
+            <a:r>
+              <a:rPr lang="en-US" dirty="0" smtClean="0"/>
+              <a:t>bjective: develop </a:t>
+            </a:r>
+            <a:r>
               <a:rPr lang="en-US" dirty="0"/>
-              <a:t>The objective of this project is to develop a system, which will maintain detailed information current and historical for a major trucking company.  </a:t>
-            </a:r>
-          </a:p>
-          <a:p>
+              <a:t>a </a:t>
+            </a:r>
+            <a:r>
+              <a:rPr lang="en-US" dirty="0" smtClean="0"/>
+              <a:t>system which will maintain detailed information for a major trucking company.  </a:t>
+            </a:r>
+          </a:p>
+          <a:p>
+            <a:r>
+              <a:rPr lang="en-US" dirty="0" smtClean="0"/>
+              <a:t>Records, </a:t>
+            </a:r>
             <a:r>
               <a:rPr lang="en-US" dirty="0"/>
-              <a:t>Records must be maintained for a ten-year period.  </a:t>
-            </a:r>
-          </a:p>
-          <a:p>
+              <a:t>current and historical, must </a:t>
+            </a:r>
+            <a:r>
+              <a:rPr lang="en-US" dirty="0" smtClean="0"/>
+              <a:t>be maintained for a ten-year period.  </a:t>
+            </a:r>
+          </a:p>
+          <a:p>
+            <a:r>
+              <a:rPr lang="en-US" dirty="0" smtClean="0"/>
+              <a:t>To </a:t>
+            </a:r>
             <a:r>
               <a:rPr lang="en-US" dirty="0"/>
-              <a:t>To protect the privacy and security of company information users of the system will have access to information only on a “need to know” basis. </a:t>
-            </a:r>
+              <a:t>protect the privacy and security of </a:t>
+            </a:r>
+            <a:r>
+              <a:rPr lang="en-US" dirty="0" smtClean="0"/>
+              <a:t>company, user access will be limited to “need to know”.</a:t>
+            </a:r>
+            <a:endParaRPr lang="en-US" dirty="0"/>
           </a:p>
           <a:p>
             <a:endParaRPr lang="en-US" dirty="0"/>
@@ -3670,6 +3716,13 @@
   <p:clrMapOvr>
     <a:masterClrMapping/>
   </p:clrMapOvr>
+  <p:timing>
+    <p:tnLst>
+      <p:par>
+        <p:cTn id="1" dur="indefinite" restart="never" nodeType="tmRoot"/>
+      </p:par>
+    </p:tnLst>
+  </p:timing>
 </p:sld>
 </file>
 
@@ -3753,7 +3806,6 @@
               <a:rPr lang="en-US" dirty="0" smtClean="0"/>
               <a:t>John Mullen</a:t>
             </a:r>
-            <a:endParaRPr lang="en-US" dirty="0" smtClean="0"/>
           </a:p>
           <a:p>
             <a:endParaRPr lang="en-US" dirty="0"/>
@@ -3920,102 +3972,1512 @@
         <p:spPr/>
         <p:txBody>
           <a:bodyPr>
-            <a:normAutofit/>
+            <a:normAutofit fontScale="90000"/>
           </a:bodyPr>
           <a:lstStyle/>
           <a:p>
             <a:r>
               <a:rPr lang="en-US" dirty="0" smtClean="0"/>
-              <a:t>Design Pattern</a:t>
+              <a:t>Project Schedule</a:t>
             </a:r>
             <a:endParaRPr lang="en-US" dirty="0"/>
           </a:p>
         </p:txBody>
       </p:sp>
-      <p:pic>
-        <p:nvPicPr>
-          <p:cNvPr id="6" name="Content Placeholder 5"/>
-          <p:cNvPicPr>
-            <a:picLocks noGrp="1" noChangeAspect="1"/>
-          </p:cNvPicPr>
+      <p:graphicFrame>
+        <p:nvGraphicFramePr>
+          <p:cNvPr id="4" name="Content Placeholder 3"/>
+          <p:cNvGraphicFramePr>
+            <a:graphicFrameLocks noGrp="1"/>
+          </p:cNvGraphicFramePr>
           <p:nvPr>
             <p:ph idx="1"/>
-          </p:nvPr>
-        </p:nvPicPr>
-        <p:blipFill>
-          <a:blip r:embed="rId2">
-            <a:extLst>
-              <a:ext uri="{28A0092B-C50C-407E-A947-70E740481C1C}">
-                <a14:useLocalDpi xmlns:a14="http://schemas.microsoft.com/office/drawing/2010/main" val="0"/>
-              </a:ext>
-            </a:extLst>
-          </a:blip>
-          <a:stretch>
-            <a:fillRect/>
-          </a:stretch>
-        </p:blipFill>
-        <p:spPr>
-          <a:xfrm>
-            <a:off x="4197350" y="1870869"/>
-            <a:ext cx="3867150" cy="2657475"/>
-          </a:xfrm>
-        </p:spPr>
-      </p:pic>
-      <p:sp>
-        <p:nvSpPr>
-          <p:cNvPr id="5" name="Text Placeholder 4"/>
-          <p:cNvSpPr>
-            <a:spLocks noGrp="1"/>
-          </p:cNvSpPr>
-          <p:nvPr>
-            <p:ph type="body" sz="half" idx="2"/>
-          </p:nvPr>
-        </p:nvSpPr>
-        <p:spPr/>
-        <p:txBody>
-          <a:bodyPr/>
-          <a:lstStyle/>
-          <a:p>
-            <a:pPr marL="285750" indent="-285750">
-              <a:buFont typeface="Arial" pitchFamily="34" charset="0"/>
-              <a:buChar char="•"/>
-            </a:pPr>
-            <a:r>
-              <a:rPr lang="en-US" dirty="0" smtClean="0"/>
-              <a:t>MVVM (Model-View-</a:t>
-            </a:r>
-            <a:r>
-              <a:rPr lang="en-US" dirty="0" err="1" smtClean="0"/>
-              <a:t>ViewModel</a:t>
-            </a:r>
-            <a:r>
-              <a:rPr lang="en-US" dirty="0" smtClean="0"/>
-              <a:t>)</a:t>
-            </a:r>
-          </a:p>
-          <a:p>
-            <a:pPr marL="742950" lvl="1" indent="-285750">
-              <a:buFont typeface="Arial" pitchFamily="34" charset="0"/>
-              <a:buChar char="•"/>
-            </a:pPr>
-            <a:r>
-              <a:rPr lang="en-US" dirty="0" smtClean="0"/>
-              <a:t>Utilizes the power of data binding</a:t>
-            </a:r>
-            <a:endParaRPr lang="en-US" dirty="0"/>
-          </a:p>
-        </p:txBody>
-      </p:sp>
+            <p:extLst>
+              <p:ext uri="{D42A27DB-BD31-4B8C-83A1-F6EECF244321}">
+                <p14:modId xmlns:p14="http://schemas.microsoft.com/office/powerpoint/2010/main" val="227035519"/>
+              </p:ext>
+            </p:extLst>
+          </p:nvPr>
+        </p:nvGraphicFramePr>
+        <p:xfrm>
+          <a:off x="457200" y="1600200"/>
+          <a:ext cx="8229600" cy="4424784"/>
+        </p:xfrm>
+        <a:graphic>
+          <a:graphicData uri="http://schemas.openxmlformats.org/drawingml/2006/table">
+            <a:tbl>
+              <a:tblPr firstRow="1" bandRow="1">
+                <a:tableStyleId>{5C22544A-7EE6-4342-B048-85BDC9FD1C3A}</a:tableStyleId>
+              </a:tblPr>
+              <a:tblGrid>
+                <a:gridCol w="1371600">
+                  <a:extLst>
+                    <a:ext uri="{9D8B030D-6E8A-4147-A177-3AD203B41FA5}">
+                      <a16:colId xmlns:a16="http://schemas.microsoft.com/office/drawing/2014/main" val="1783946286"/>
+                    </a:ext>
+                  </a:extLst>
+                </a:gridCol>
+                <a:gridCol w="1371600">
+                  <a:extLst>
+                    <a:ext uri="{9D8B030D-6E8A-4147-A177-3AD203B41FA5}">
+                      <a16:colId xmlns:a16="http://schemas.microsoft.com/office/drawing/2014/main" val="548995687"/>
+                    </a:ext>
+                  </a:extLst>
+                </a:gridCol>
+                <a:gridCol w="1371600">
+                  <a:extLst>
+                    <a:ext uri="{9D8B030D-6E8A-4147-A177-3AD203B41FA5}">
+                      <a16:colId xmlns:a16="http://schemas.microsoft.com/office/drawing/2014/main" val="3644271569"/>
+                    </a:ext>
+                  </a:extLst>
+                </a:gridCol>
+                <a:gridCol w="1371600">
+                  <a:extLst>
+                    <a:ext uri="{9D8B030D-6E8A-4147-A177-3AD203B41FA5}">
+                      <a16:colId xmlns:a16="http://schemas.microsoft.com/office/drawing/2014/main" val="3444452678"/>
+                    </a:ext>
+                  </a:extLst>
+                </a:gridCol>
+                <a:gridCol w="1371600">
+                  <a:extLst>
+                    <a:ext uri="{9D8B030D-6E8A-4147-A177-3AD203B41FA5}">
+                      <a16:colId xmlns:a16="http://schemas.microsoft.com/office/drawing/2014/main" val="2334155242"/>
+                    </a:ext>
+                  </a:extLst>
+                </a:gridCol>
+                <a:gridCol w="1371600">
+                  <a:extLst>
+                    <a:ext uri="{9D8B030D-6E8A-4147-A177-3AD203B41FA5}">
+                      <a16:colId xmlns:a16="http://schemas.microsoft.com/office/drawing/2014/main" val="2512731815"/>
+                    </a:ext>
+                  </a:extLst>
+                </a:gridCol>
+              </a:tblGrid>
+              <a:tr h="404469">
+                <a:tc>
+                  <a:txBody>
+                    <a:bodyPr/>
+                    <a:lstStyle/>
+                    <a:p>
+                      <a:pPr marL="0" marR="0">
+                        <a:lnSpc>
+                          <a:spcPct val="130000"/>
+                        </a:lnSpc>
+                        <a:spcBef>
+                          <a:spcPts val="0"/>
+                        </a:spcBef>
+                        <a:spcAft>
+                          <a:spcPts val="0"/>
+                        </a:spcAft>
+                      </a:pPr>
+                      <a:r>
+                        <a:rPr lang="en-US" sz="1100" dirty="0">
+                          <a:solidFill>
+                            <a:srgbClr val="353744"/>
+                          </a:solidFill>
+                          <a:effectLst/>
+                          <a:latin typeface="Proxima Nova"/>
+                          <a:ea typeface="Proxima Nova"/>
+                          <a:cs typeface="Proxima Nova"/>
+                        </a:rPr>
+                        <a:t> </a:t>
+                      </a:r>
+                    </a:p>
+                  </a:txBody>
+                  <a:tcPr marL="63500" marR="63500" marT="63500" marB="63500"/>
+                </a:tc>
+                <a:tc>
+                  <a:txBody>
+                    <a:bodyPr/>
+                    <a:lstStyle/>
+                    <a:p>
+                      <a:pPr marL="0" marR="0">
+                        <a:lnSpc>
+                          <a:spcPct val="130000"/>
+                        </a:lnSpc>
+                        <a:spcBef>
+                          <a:spcPts val="0"/>
+                        </a:spcBef>
+                        <a:spcAft>
+                          <a:spcPts val="0"/>
+                        </a:spcAft>
+                      </a:pPr>
+                      <a:r>
+                        <a:rPr lang="en-US" sz="1100">
+                          <a:solidFill>
+                            <a:srgbClr val="353744"/>
+                          </a:solidFill>
+                          <a:effectLst/>
+                          <a:latin typeface="Proxima Nova"/>
+                          <a:ea typeface="Proxima Nova"/>
+                          <a:cs typeface="Proxima Nova"/>
+                        </a:rPr>
+                        <a:t>Requirements</a:t>
+                      </a:r>
+                    </a:p>
+                  </a:txBody>
+                  <a:tcPr marL="63500" marR="63500" marT="63500" marB="63500"/>
+                </a:tc>
+                <a:tc>
+                  <a:txBody>
+                    <a:bodyPr/>
+                    <a:lstStyle/>
+                    <a:p>
+                      <a:pPr marL="0" marR="0">
+                        <a:lnSpc>
+                          <a:spcPct val="130000"/>
+                        </a:lnSpc>
+                        <a:spcBef>
+                          <a:spcPts val="0"/>
+                        </a:spcBef>
+                        <a:spcAft>
+                          <a:spcPts val="0"/>
+                        </a:spcAft>
+                      </a:pPr>
+                      <a:r>
+                        <a:rPr lang="en-US" sz="1100" dirty="0">
+                          <a:solidFill>
+                            <a:srgbClr val="353744"/>
+                          </a:solidFill>
+                          <a:effectLst/>
+                          <a:latin typeface="Proxima Nova"/>
+                          <a:ea typeface="Proxima Nova"/>
+                          <a:cs typeface="Proxima Nova"/>
+                        </a:rPr>
+                        <a:t>Analysis</a:t>
+                      </a:r>
+                    </a:p>
+                  </a:txBody>
+                  <a:tcPr marL="63500" marR="63500" marT="63500" marB="63500"/>
+                </a:tc>
+                <a:tc>
+                  <a:txBody>
+                    <a:bodyPr/>
+                    <a:lstStyle/>
+                    <a:p>
+                      <a:pPr marL="0" marR="0">
+                        <a:lnSpc>
+                          <a:spcPct val="130000"/>
+                        </a:lnSpc>
+                        <a:spcBef>
+                          <a:spcPts val="0"/>
+                        </a:spcBef>
+                        <a:spcAft>
+                          <a:spcPts val="0"/>
+                        </a:spcAft>
+                      </a:pPr>
+                      <a:r>
+                        <a:rPr lang="en-US" sz="1100">
+                          <a:solidFill>
+                            <a:srgbClr val="353744"/>
+                          </a:solidFill>
+                          <a:effectLst/>
+                          <a:latin typeface="Proxima Nova"/>
+                          <a:ea typeface="Proxima Nova"/>
+                          <a:cs typeface="Proxima Nova"/>
+                        </a:rPr>
+                        <a:t>Design</a:t>
+                      </a:r>
+                    </a:p>
+                  </a:txBody>
+                  <a:tcPr marL="63500" marR="63500" marT="63500" marB="63500"/>
+                </a:tc>
+                <a:tc>
+                  <a:txBody>
+                    <a:bodyPr/>
+                    <a:lstStyle/>
+                    <a:p>
+                      <a:pPr marL="0" marR="0">
+                        <a:lnSpc>
+                          <a:spcPct val="130000"/>
+                        </a:lnSpc>
+                        <a:spcBef>
+                          <a:spcPts val="0"/>
+                        </a:spcBef>
+                        <a:spcAft>
+                          <a:spcPts val="0"/>
+                        </a:spcAft>
+                      </a:pPr>
+                      <a:r>
+                        <a:rPr lang="en-US" sz="1100">
+                          <a:solidFill>
+                            <a:srgbClr val="353744"/>
+                          </a:solidFill>
+                          <a:effectLst/>
+                          <a:latin typeface="Proxima Nova"/>
+                          <a:ea typeface="Proxima Nova"/>
+                          <a:cs typeface="Proxima Nova"/>
+                        </a:rPr>
+                        <a:t>Implementation</a:t>
+                      </a:r>
+                    </a:p>
+                  </a:txBody>
+                  <a:tcPr marL="63500" marR="63500" marT="63500" marB="63500"/>
+                </a:tc>
+                <a:tc>
+                  <a:txBody>
+                    <a:bodyPr/>
+                    <a:lstStyle/>
+                    <a:p>
+                      <a:pPr marL="0" marR="0">
+                        <a:lnSpc>
+                          <a:spcPct val="130000"/>
+                        </a:lnSpc>
+                        <a:spcBef>
+                          <a:spcPts val="0"/>
+                        </a:spcBef>
+                        <a:spcAft>
+                          <a:spcPts val="0"/>
+                        </a:spcAft>
+                      </a:pPr>
+                      <a:r>
+                        <a:rPr lang="en-US" sz="1100">
+                          <a:solidFill>
+                            <a:srgbClr val="353744"/>
+                          </a:solidFill>
+                          <a:effectLst/>
+                          <a:latin typeface="Proxima Nova"/>
+                          <a:ea typeface="Proxima Nova"/>
+                          <a:cs typeface="Proxima Nova"/>
+                        </a:rPr>
+                        <a:t>Testing</a:t>
+                      </a:r>
+                    </a:p>
+                  </a:txBody>
+                  <a:tcPr marL="63500" marR="63500" marT="63500" marB="63500"/>
+                </a:tc>
+                <a:extLst>
+                  <a:ext uri="{0D108BD9-81ED-4DB2-BD59-A6C34878D82A}">
+                    <a16:rowId xmlns:a16="http://schemas.microsoft.com/office/drawing/2014/main" val="2580390149"/>
+                  </a:ext>
+                </a:extLst>
+              </a:tr>
+              <a:tr h="613907">
+                <a:tc>
+                  <a:txBody>
+                    <a:bodyPr/>
+                    <a:lstStyle/>
+                    <a:p>
+                      <a:pPr marL="0" marR="0">
+                        <a:lnSpc>
+                          <a:spcPct val="130000"/>
+                        </a:lnSpc>
+                        <a:spcBef>
+                          <a:spcPts val="0"/>
+                        </a:spcBef>
+                        <a:spcAft>
+                          <a:spcPts val="0"/>
+                        </a:spcAft>
+                      </a:pPr>
+                      <a:r>
+                        <a:rPr lang="en-US" sz="1100">
+                          <a:solidFill>
+                            <a:srgbClr val="353744"/>
+                          </a:solidFill>
+                          <a:effectLst/>
+                          <a:latin typeface="Proxima Nova"/>
+                          <a:ea typeface="Proxima Nova"/>
+                          <a:cs typeface="Proxima Nova"/>
+                        </a:rPr>
+                        <a:t>Sprint 1</a:t>
+                      </a:r>
+                    </a:p>
+                  </a:txBody>
+                  <a:tcPr marL="63500" marR="63500" marT="63500" marB="63500"/>
+                </a:tc>
+                <a:tc>
+                  <a:txBody>
+                    <a:bodyPr/>
+                    <a:lstStyle/>
+                    <a:p>
+                      <a:pPr marL="0" marR="0">
+                        <a:lnSpc>
+                          <a:spcPct val="130000"/>
+                        </a:lnSpc>
+                        <a:spcBef>
+                          <a:spcPts val="0"/>
+                        </a:spcBef>
+                        <a:spcAft>
+                          <a:spcPts val="0"/>
+                        </a:spcAft>
+                      </a:pPr>
+                      <a:r>
+                        <a:rPr lang="en-US" sz="1100">
+                          <a:solidFill>
+                            <a:srgbClr val="353744"/>
+                          </a:solidFill>
+                          <a:effectLst/>
+                          <a:latin typeface="Proxima Nova"/>
+                          <a:ea typeface="Proxima Nova"/>
+                          <a:cs typeface="Proxima Nova"/>
+                        </a:rPr>
+                        <a:t>Read Them Thoroughly</a:t>
+                      </a:r>
+                    </a:p>
+                  </a:txBody>
+                  <a:tcPr marL="63500" marR="63500" marT="63500" marB="63500"/>
+                </a:tc>
+                <a:tc>
+                  <a:txBody>
+                    <a:bodyPr/>
+                    <a:lstStyle/>
+                    <a:p>
+                      <a:pPr marL="0" marR="0">
+                        <a:lnSpc>
+                          <a:spcPct val="130000"/>
+                        </a:lnSpc>
+                        <a:spcBef>
+                          <a:spcPts val="0"/>
+                        </a:spcBef>
+                        <a:spcAft>
+                          <a:spcPts val="0"/>
+                        </a:spcAft>
+                      </a:pPr>
+                      <a:r>
+                        <a:rPr lang="en-US" sz="1100">
+                          <a:solidFill>
+                            <a:srgbClr val="353744"/>
+                          </a:solidFill>
+                          <a:effectLst/>
+                          <a:latin typeface="Proxima Nova"/>
+                          <a:ea typeface="Proxima Nova"/>
+                          <a:cs typeface="Proxima Nova"/>
+                        </a:rPr>
+                        <a:t>Discuss with team meetings</a:t>
+                      </a:r>
+                    </a:p>
+                  </a:txBody>
+                  <a:tcPr marL="63500" marR="63500" marT="63500" marB="63500"/>
+                </a:tc>
+                <a:tc>
+                  <a:txBody>
+                    <a:bodyPr/>
+                    <a:lstStyle/>
+                    <a:p>
+                      <a:pPr marL="0" marR="0">
+                        <a:lnSpc>
+                          <a:spcPct val="130000"/>
+                        </a:lnSpc>
+                        <a:spcBef>
+                          <a:spcPts val="0"/>
+                        </a:spcBef>
+                        <a:spcAft>
+                          <a:spcPts val="0"/>
+                        </a:spcAft>
+                      </a:pPr>
+                      <a:r>
+                        <a:rPr lang="en-US" sz="1100">
+                          <a:solidFill>
+                            <a:srgbClr val="353744"/>
+                          </a:solidFill>
+                          <a:effectLst/>
+                          <a:latin typeface="Proxima Nova"/>
+                          <a:ea typeface="Proxima Nova"/>
+                          <a:cs typeface="Proxima Nova"/>
+                        </a:rPr>
+                        <a:t> </a:t>
+                      </a:r>
+                    </a:p>
+                  </a:txBody>
+                  <a:tcPr marL="63500" marR="63500" marT="63500" marB="63500"/>
+                </a:tc>
+                <a:tc>
+                  <a:txBody>
+                    <a:bodyPr/>
+                    <a:lstStyle/>
+                    <a:p>
+                      <a:pPr marL="0" marR="0">
+                        <a:lnSpc>
+                          <a:spcPct val="130000"/>
+                        </a:lnSpc>
+                        <a:spcBef>
+                          <a:spcPts val="0"/>
+                        </a:spcBef>
+                        <a:spcAft>
+                          <a:spcPts val="0"/>
+                        </a:spcAft>
+                      </a:pPr>
+                      <a:r>
+                        <a:rPr lang="en-US" sz="1100">
+                          <a:solidFill>
+                            <a:srgbClr val="353744"/>
+                          </a:solidFill>
+                          <a:effectLst/>
+                          <a:latin typeface="Proxima Nova"/>
+                          <a:ea typeface="Proxima Nova"/>
+                          <a:cs typeface="Proxima Nova"/>
+                        </a:rPr>
+                        <a:t> </a:t>
+                      </a:r>
+                    </a:p>
+                  </a:txBody>
+                  <a:tcPr marL="63500" marR="63500" marT="63500" marB="63500"/>
+                </a:tc>
+                <a:tc>
+                  <a:txBody>
+                    <a:bodyPr/>
+                    <a:lstStyle/>
+                    <a:p>
+                      <a:pPr marL="0" marR="0">
+                        <a:lnSpc>
+                          <a:spcPct val="130000"/>
+                        </a:lnSpc>
+                        <a:spcBef>
+                          <a:spcPts val="0"/>
+                        </a:spcBef>
+                        <a:spcAft>
+                          <a:spcPts val="0"/>
+                        </a:spcAft>
+                      </a:pPr>
+                      <a:r>
+                        <a:rPr lang="en-US" sz="1100">
+                          <a:solidFill>
+                            <a:srgbClr val="353744"/>
+                          </a:solidFill>
+                          <a:effectLst/>
+                          <a:latin typeface="Proxima Nova"/>
+                          <a:ea typeface="Proxima Nova"/>
+                          <a:cs typeface="Proxima Nova"/>
+                        </a:rPr>
+                        <a:t> </a:t>
+                      </a:r>
+                    </a:p>
+                  </a:txBody>
+                  <a:tcPr marL="63500" marR="63500" marT="63500" marB="63500"/>
+                </a:tc>
+                <a:extLst>
+                  <a:ext uri="{0D108BD9-81ED-4DB2-BD59-A6C34878D82A}">
+                    <a16:rowId xmlns:a16="http://schemas.microsoft.com/office/drawing/2014/main" val="3614629786"/>
+                  </a:ext>
+                </a:extLst>
+              </a:tr>
+              <a:tr h="851602">
+                <a:tc>
+                  <a:txBody>
+                    <a:bodyPr/>
+                    <a:lstStyle/>
+                    <a:p>
+                      <a:pPr marL="0" marR="0">
+                        <a:lnSpc>
+                          <a:spcPct val="130000"/>
+                        </a:lnSpc>
+                        <a:spcBef>
+                          <a:spcPts val="0"/>
+                        </a:spcBef>
+                        <a:spcAft>
+                          <a:spcPts val="0"/>
+                        </a:spcAft>
+                      </a:pPr>
+                      <a:r>
+                        <a:rPr lang="en-US" sz="1100">
+                          <a:solidFill>
+                            <a:srgbClr val="353744"/>
+                          </a:solidFill>
+                          <a:effectLst/>
+                          <a:latin typeface="Proxima Nova"/>
+                          <a:ea typeface="Proxima Nova"/>
+                          <a:cs typeface="Proxima Nova"/>
+                        </a:rPr>
+                        <a:t>Sprint 2</a:t>
+                      </a:r>
+                    </a:p>
+                  </a:txBody>
+                  <a:tcPr marL="63500" marR="63500" marT="63500" marB="63500"/>
+                </a:tc>
+                <a:tc>
+                  <a:txBody>
+                    <a:bodyPr/>
+                    <a:lstStyle/>
+                    <a:p>
+                      <a:pPr marL="0" marR="0">
+                        <a:lnSpc>
+                          <a:spcPct val="130000"/>
+                        </a:lnSpc>
+                        <a:spcBef>
+                          <a:spcPts val="0"/>
+                        </a:spcBef>
+                        <a:spcAft>
+                          <a:spcPts val="0"/>
+                        </a:spcAft>
+                      </a:pPr>
+                      <a:r>
+                        <a:rPr lang="en-US" sz="1100">
+                          <a:solidFill>
+                            <a:srgbClr val="353744"/>
+                          </a:solidFill>
+                          <a:effectLst/>
+                          <a:latin typeface="Proxima Nova"/>
+                          <a:ea typeface="Proxima Nova"/>
+                          <a:cs typeface="Proxima Nova"/>
+                        </a:rPr>
+                        <a:t>Learn about backlogs</a:t>
+                      </a:r>
+                    </a:p>
+                  </a:txBody>
+                  <a:tcPr marL="63500" marR="63500" marT="63500" marB="63500"/>
+                </a:tc>
+                <a:tc>
+                  <a:txBody>
+                    <a:bodyPr/>
+                    <a:lstStyle/>
+                    <a:p>
+                      <a:pPr marL="0" marR="0">
+                        <a:lnSpc>
+                          <a:spcPct val="130000"/>
+                        </a:lnSpc>
+                        <a:spcBef>
+                          <a:spcPts val="0"/>
+                        </a:spcBef>
+                        <a:spcAft>
+                          <a:spcPts val="0"/>
+                        </a:spcAft>
+                      </a:pPr>
+                      <a:r>
+                        <a:rPr lang="en-US" sz="1100">
+                          <a:solidFill>
+                            <a:srgbClr val="353744"/>
+                          </a:solidFill>
+                          <a:effectLst/>
+                          <a:latin typeface="Proxima Nova"/>
+                          <a:ea typeface="Proxima Nova"/>
+                          <a:cs typeface="Proxima Nova"/>
+                        </a:rPr>
+                        <a:t>Break requirements into Epics &amp; User stories</a:t>
+                      </a:r>
+                    </a:p>
+                  </a:txBody>
+                  <a:tcPr marL="63500" marR="63500" marT="63500" marB="63500"/>
+                </a:tc>
+                <a:tc>
+                  <a:txBody>
+                    <a:bodyPr/>
+                    <a:lstStyle/>
+                    <a:p>
+                      <a:pPr marL="0" marR="0">
+                        <a:lnSpc>
+                          <a:spcPct val="130000"/>
+                        </a:lnSpc>
+                        <a:spcBef>
+                          <a:spcPts val="0"/>
+                        </a:spcBef>
+                        <a:spcAft>
+                          <a:spcPts val="0"/>
+                        </a:spcAft>
+                      </a:pPr>
+                      <a:r>
+                        <a:rPr lang="en-US" sz="1100">
+                          <a:solidFill>
+                            <a:srgbClr val="353744"/>
+                          </a:solidFill>
+                          <a:effectLst/>
+                          <a:latin typeface="Proxima Nova"/>
+                          <a:ea typeface="Proxima Nova"/>
+                          <a:cs typeface="Proxima Nova"/>
+                        </a:rPr>
+                        <a:t>Begin design of model classes</a:t>
+                      </a:r>
+                    </a:p>
+                  </a:txBody>
+                  <a:tcPr marL="63500" marR="63500" marT="63500" marB="63500"/>
+                </a:tc>
+                <a:tc>
+                  <a:txBody>
+                    <a:bodyPr/>
+                    <a:lstStyle/>
+                    <a:p>
+                      <a:pPr marL="0" marR="0">
+                        <a:lnSpc>
+                          <a:spcPct val="130000"/>
+                        </a:lnSpc>
+                        <a:spcBef>
+                          <a:spcPts val="0"/>
+                        </a:spcBef>
+                        <a:spcAft>
+                          <a:spcPts val="0"/>
+                        </a:spcAft>
+                      </a:pPr>
+                      <a:r>
+                        <a:rPr lang="en-US" sz="1100">
+                          <a:solidFill>
+                            <a:srgbClr val="353744"/>
+                          </a:solidFill>
+                          <a:effectLst/>
+                          <a:latin typeface="Proxima Nova"/>
+                          <a:ea typeface="Proxima Nova"/>
+                          <a:cs typeface="Proxima Nova"/>
+                        </a:rPr>
+                        <a:t>Write base classes and interfaces</a:t>
+                      </a:r>
+                    </a:p>
+                  </a:txBody>
+                  <a:tcPr marL="63500" marR="63500" marT="63500" marB="63500"/>
+                </a:tc>
+                <a:tc>
+                  <a:txBody>
+                    <a:bodyPr/>
+                    <a:lstStyle/>
+                    <a:p>
+                      <a:pPr marL="0" marR="0">
+                        <a:lnSpc>
+                          <a:spcPct val="130000"/>
+                        </a:lnSpc>
+                        <a:spcBef>
+                          <a:spcPts val="0"/>
+                        </a:spcBef>
+                        <a:spcAft>
+                          <a:spcPts val="0"/>
+                        </a:spcAft>
+                      </a:pPr>
+                      <a:r>
+                        <a:rPr lang="en-US" sz="1100">
+                          <a:solidFill>
+                            <a:srgbClr val="353744"/>
+                          </a:solidFill>
+                          <a:effectLst/>
+                          <a:latin typeface="Proxima Nova"/>
+                          <a:ea typeface="Proxima Nova"/>
+                          <a:cs typeface="Proxima Nova"/>
+                        </a:rPr>
+                        <a:t>Instantiate classes and call get/sets</a:t>
+                      </a:r>
+                    </a:p>
+                  </a:txBody>
+                  <a:tcPr marL="63500" marR="63500" marT="63500" marB="63500"/>
+                </a:tc>
+                <a:extLst>
+                  <a:ext uri="{0D108BD9-81ED-4DB2-BD59-A6C34878D82A}">
+                    <a16:rowId xmlns:a16="http://schemas.microsoft.com/office/drawing/2014/main" val="3329428703"/>
+                  </a:ext>
+                </a:extLst>
+              </a:tr>
+              <a:tr h="851602">
+                <a:tc>
+                  <a:txBody>
+                    <a:bodyPr/>
+                    <a:lstStyle/>
+                    <a:p>
+                      <a:pPr marL="0" marR="0">
+                        <a:lnSpc>
+                          <a:spcPct val="130000"/>
+                        </a:lnSpc>
+                        <a:spcBef>
+                          <a:spcPts val="0"/>
+                        </a:spcBef>
+                        <a:spcAft>
+                          <a:spcPts val="0"/>
+                        </a:spcAft>
+                      </a:pPr>
+                      <a:r>
+                        <a:rPr lang="en-US" sz="1100">
+                          <a:solidFill>
+                            <a:srgbClr val="353744"/>
+                          </a:solidFill>
+                          <a:effectLst/>
+                          <a:latin typeface="Proxima Nova"/>
+                          <a:ea typeface="Proxima Nova"/>
+                          <a:cs typeface="Proxima Nova"/>
+                        </a:rPr>
+                        <a:t>Sprint 3</a:t>
+                      </a:r>
+                    </a:p>
+                  </a:txBody>
+                  <a:tcPr marL="63500" marR="63500" marT="63500" marB="63500"/>
+                </a:tc>
+                <a:tc>
+                  <a:txBody>
+                    <a:bodyPr/>
+                    <a:lstStyle/>
+                    <a:p>
+                      <a:pPr marL="0" marR="0">
+                        <a:lnSpc>
+                          <a:spcPct val="130000"/>
+                        </a:lnSpc>
+                        <a:spcBef>
+                          <a:spcPts val="0"/>
+                        </a:spcBef>
+                        <a:spcAft>
+                          <a:spcPts val="0"/>
+                        </a:spcAft>
+                      </a:pPr>
+                      <a:r>
+                        <a:rPr lang="en-US" sz="1100">
+                          <a:solidFill>
+                            <a:srgbClr val="353744"/>
+                          </a:solidFill>
+                          <a:effectLst/>
+                          <a:latin typeface="Proxima Nova"/>
+                          <a:ea typeface="Proxima Nova"/>
+                          <a:cs typeface="Proxima Nova"/>
+                        </a:rPr>
+                        <a:t> </a:t>
+                      </a:r>
+                    </a:p>
+                  </a:txBody>
+                  <a:tcPr marL="63500" marR="63500" marT="63500" marB="63500"/>
+                </a:tc>
+                <a:tc>
+                  <a:txBody>
+                    <a:bodyPr/>
+                    <a:lstStyle/>
+                    <a:p>
+                      <a:pPr marL="0" marR="0">
+                        <a:lnSpc>
+                          <a:spcPct val="130000"/>
+                        </a:lnSpc>
+                        <a:spcBef>
+                          <a:spcPts val="0"/>
+                        </a:spcBef>
+                        <a:spcAft>
+                          <a:spcPts val="0"/>
+                        </a:spcAft>
+                      </a:pPr>
+                      <a:r>
+                        <a:rPr lang="en-US" sz="1100">
+                          <a:solidFill>
+                            <a:srgbClr val="353744"/>
+                          </a:solidFill>
+                          <a:effectLst/>
+                          <a:latin typeface="Proxima Nova"/>
+                          <a:ea typeface="Proxima Nova"/>
+                          <a:cs typeface="Proxima Nova"/>
+                        </a:rPr>
+                        <a:t> </a:t>
+                      </a:r>
+                    </a:p>
+                  </a:txBody>
+                  <a:tcPr marL="63500" marR="63500" marT="63500" marB="63500"/>
+                </a:tc>
+                <a:tc>
+                  <a:txBody>
+                    <a:bodyPr/>
+                    <a:lstStyle/>
+                    <a:p>
+                      <a:pPr marL="0" marR="0">
+                        <a:lnSpc>
+                          <a:spcPct val="130000"/>
+                        </a:lnSpc>
+                        <a:spcBef>
+                          <a:spcPts val="0"/>
+                        </a:spcBef>
+                        <a:spcAft>
+                          <a:spcPts val="0"/>
+                        </a:spcAft>
+                      </a:pPr>
+                      <a:r>
+                        <a:rPr lang="en-US" sz="1100">
+                          <a:solidFill>
+                            <a:srgbClr val="353744"/>
+                          </a:solidFill>
+                          <a:effectLst/>
+                          <a:latin typeface="Proxima Nova"/>
+                          <a:ea typeface="Proxima Nova"/>
+                          <a:cs typeface="Proxima Nova"/>
+                        </a:rPr>
+                        <a:t>Complete design of all objects</a:t>
+                      </a:r>
+                    </a:p>
+                  </a:txBody>
+                  <a:tcPr marL="63500" marR="63500" marT="63500" marB="63500"/>
+                </a:tc>
+                <a:tc>
+                  <a:txBody>
+                    <a:bodyPr/>
+                    <a:lstStyle/>
+                    <a:p>
+                      <a:pPr marL="0" marR="0">
+                        <a:lnSpc>
+                          <a:spcPct val="130000"/>
+                        </a:lnSpc>
+                        <a:spcBef>
+                          <a:spcPts val="0"/>
+                        </a:spcBef>
+                        <a:spcAft>
+                          <a:spcPts val="0"/>
+                        </a:spcAft>
+                      </a:pPr>
+                      <a:r>
+                        <a:rPr lang="en-US" sz="1100">
+                          <a:solidFill>
+                            <a:srgbClr val="353744"/>
+                          </a:solidFill>
+                          <a:effectLst/>
+                          <a:latin typeface="Proxima Nova"/>
+                          <a:ea typeface="Proxima Nova"/>
+                          <a:cs typeface="Proxima Nova"/>
+                        </a:rPr>
+                        <a:t>Write Web Service and Implement Database</a:t>
+                      </a:r>
+                    </a:p>
+                  </a:txBody>
+                  <a:tcPr marL="63500" marR="63500" marT="63500" marB="63500"/>
+                </a:tc>
+                <a:tc>
+                  <a:txBody>
+                    <a:bodyPr/>
+                    <a:lstStyle/>
+                    <a:p>
+                      <a:pPr marL="0" marR="0">
+                        <a:lnSpc>
+                          <a:spcPct val="130000"/>
+                        </a:lnSpc>
+                        <a:spcBef>
+                          <a:spcPts val="0"/>
+                        </a:spcBef>
+                        <a:spcAft>
+                          <a:spcPts val="0"/>
+                        </a:spcAft>
+                      </a:pPr>
+                      <a:r>
+                        <a:rPr lang="en-US" sz="1100">
+                          <a:solidFill>
+                            <a:srgbClr val="353744"/>
+                          </a:solidFill>
+                          <a:effectLst/>
+                          <a:latin typeface="Proxima Nova"/>
+                          <a:ea typeface="Proxima Nova"/>
+                          <a:cs typeface="Proxima Nova"/>
+                        </a:rPr>
+                        <a:t>Call query functions (serialize, etc)</a:t>
+                      </a:r>
+                    </a:p>
+                  </a:txBody>
+                  <a:tcPr marL="63500" marR="63500" marT="63500" marB="63500"/>
+                </a:tc>
+                <a:extLst>
+                  <a:ext uri="{0D108BD9-81ED-4DB2-BD59-A6C34878D82A}">
+                    <a16:rowId xmlns:a16="http://schemas.microsoft.com/office/drawing/2014/main" val="2764000280"/>
+                  </a:ext>
+                </a:extLst>
+              </a:tr>
+              <a:tr h="851602">
+                <a:tc>
+                  <a:txBody>
+                    <a:bodyPr/>
+                    <a:lstStyle/>
+                    <a:p>
+                      <a:pPr marL="0" marR="0">
+                        <a:lnSpc>
+                          <a:spcPct val="130000"/>
+                        </a:lnSpc>
+                        <a:spcBef>
+                          <a:spcPts val="0"/>
+                        </a:spcBef>
+                        <a:spcAft>
+                          <a:spcPts val="0"/>
+                        </a:spcAft>
+                      </a:pPr>
+                      <a:r>
+                        <a:rPr lang="en-US" sz="1100">
+                          <a:solidFill>
+                            <a:srgbClr val="353744"/>
+                          </a:solidFill>
+                          <a:effectLst/>
+                          <a:latin typeface="Proxima Nova"/>
+                          <a:ea typeface="Proxima Nova"/>
+                          <a:cs typeface="Proxima Nova"/>
+                        </a:rPr>
+                        <a:t>Sprint 4</a:t>
+                      </a:r>
+                    </a:p>
+                  </a:txBody>
+                  <a:tcPr marL="63500" marR="63500" marT="63500" marB="63500"/>
+                </a:tc>
+                <a:tc>
+                  <a:txBody>
+                    <a:bodyPr/>
+                    <a:lstStyle/>
+                    <a:p>
+                      <a:pPr marL="0" marR="0">
+                        <a:lnSpc>
+                          <a:spcPct val="130000"/>
+                        </a:lnSpc>
+                        <a:spcBef>
+                          <a:spcPts val="0"/>
+                        </a:spcBef>
+                        <a:spcAft>
+                          <a:spcPts val="0"/>
+                        </a:spcAft>
+                      </a:pPr>
+                      <a:r>
+                        <a:rPr lang="en-US" sz="1100">
+                          <a:solidFill>
+                            <a:srgbClr val="353744"/>
+                          </a:solidFill>
+                          <a:effectLst/>
+                          <a:latin typeface="Proxima Nova"/>
+                          <a:ea typeface="Proxima Nova"/>
+                          <a:cs typeface="Proxima Nova"/>
+                        </a:rPr>
+                        <a:t>Produce a GUI conforming to requirements</a:t>
+                      </a:r>
+                    </a:p>
+                  </a:txBody>
+                  <a:tcPr marL="63500" marR="63500" marT="63500" marB="63500"/>
+                </a:tc>
+                <a:tc>
+                  <a:txBody>
+                    <a:bodyPr/>
+                    <a:lstStyle/>
+                    <a:p>
+                      <a:pPr marL="0" marR="0">
+                        <a:lnSpc>
+                          <a:spcPct val="130000"/>
+                        </a:lnSpc>
+                        <a:spcBef>
+                          <a:spcPts val="0"/>
+                        </a:spcBef>
+                        <a:spcAft>
+                          <a:spcPts val="0"/>
+                        </a:spcAft>
+                      </a:pPr>
+                      <a:r>
+                        <a:rPr lang="en-US" sz="1100">
+                          <a:solidFill>
+                            <a:srgbClr val="353744"/>
+                          </a:solidFill>
+                          <a:effectLst/>
+                          <a:latin typeface="Proxima Nova"/>
+                          <a:ea typeface="Proxima Nova"/>
+                          <a:cs typeface="Proxima Nova"/>
+                        </a:rPr>
+                        <a:t>Consider customer needs </a:t>
+                      </a:r>
+                    </a:p>
+                  </a:txBody>
+                  <a:tcPr marL="63500" marR="63500" marT="63500" marB="63500"/>
+                </a:tc>
+                <a:tc>
+                  <a:txBody>
+                    <a:bodyPr/>
+                    <a:lstStyle/>
+                    <a:p>
+                      <a:pPr marL="0" marR="0">
+                        <a:lnSpc>
+                          <a:spcPct val="130000"/>
+                        </a:lnSpc>
+                        <a:spcBef>
+                          <a:spcPts val="0"/>
+                        </a:spcBef>
+                        <a:spcAft>
+                          <a:spcPts val="0"/>
+                        </a:spcAft>
+                      </a:pPr>
+                      <a:r>
+                        <a:rPr lang="en-US" sz="1100">
+                          <a:solidFill>
+                            <a:srgbClr val="353744"/>
+                          </a:solidFill>
+                          <a:effectLst/>
+                          <a:latin typeface="Proxima Nova"/>
+                          <a:ea typeface="Proxima Nova"/>
+                          <a:cs typeface="Proxima Nova"/>
+                        </a:rPr>
+                        <a:t>Design all user controls for views</a:t>
+                      </a:r>
+                    </a:p>
+                  </a:txBody>
+                  <a:tcPr marL="63500" marR="63500" marT="63500" marB="63500"/>
+                </a:tc>
+                <a:tc>
+                  <a:txBody>
+                    <a:bodyPr/>
+                    <a:lstStyle/>
+                    <a:p>
+                      <a:pPr marL="0" marR="0">
+                        <a:lnSpc>
+                          <a:spcPct val="130000"/>
+                        </a:lnSpc>
+                        <a:spcBef>
+                          <a:spcPts val="0"/>
+                        </a:spcBef>
+                        <a:spcAft>
+                          <a:spcPts val="0"/>
+                        </a:spcAft>
+                      </a:pPr>
+                      <a:r>
+                        <a:rPr lang="en-US" sz="1100">
+                          <a:solidFill>
+                            <a:srgbClr val="353744"/>
+                          </a:solidFill>
+                          <a:effectLst/>
+                          <a:latin typeface="Proxima Nova"/>
+                          <a:ea typeface="Proxima Nova"/>
+                          <a:cs typeface="Proxima Nova"/>
+                        </a:rPr>
+                        <a:t>Hook up GUI to functions</a:t>
+                      </a:r>
+                    </a:p>
+                  </a:txBody>
+                  <a:tcPr marL="63500" marR="63500" marT="63500" marB="63500"/>
+                </a:tc>
+                <a:tc>
+                  <a:txBody>
+                    <a:bodyPr/>
+                    <a:lstStyle/>
+                    <a:p>
+                      <a:pPr marL="0" marR="0">
+                        <a:lnSpc>
+                          <a:spcPct val="130000"/>
+                        </a:lnSpc>
+                        <a:spcBef>
+                          <a:spcPts val="0"/>
+                        </a:spcBef>
+                        <a:spcAft>
+                          <a:spcPts val="0"/>
+                        </a:spcAft>
+                      </a:pPr>
+                      <a:r>
+                        <a:rPr lang="en-US" sz="1100">
+                          <a:solidFill>
+                            <a:srgbClr val="353744"/>
+                          </a:solidFill>
+                          <a:effectLst/>
+                          <a:latin typeface="Proxima Nova"/>
+                          <a:ea typeface="Proxima Nova"/>
+                          <a:cs typeface="Proxima Nova"/>
+                        </a:rPr>
+                        <a:t>Play with it</a:t>
+                      </a:r>
+                    </a:p>
+                  </a:txBody>
+                  <a:tcPr marL="63500" marR="63500" marT="63500" marB="63500"/>
+                </a:tc>
+                <a:extLst>
+                  <a:ext uri="{0D108BD9-81ED-4DB2-BD59-A6C34878D82A}">
+                    <a16:rowId xmlns:a16="http://schemas.microsoft.com/office/drawing/2014/main" val="3883103208"/>
+                  </a:ext>
+                </a:extLst>
+              </a:tr>
+              <a:tr h="851602">
+                <a:tc>
+                  <a:txBody>
+                    <a:bodyPr/>
+                    <a:lstStyle/>
+                    <a:p>
+                      <a:pPr marL="0" marR="0">
+                        <a:lnSpc>
+                          <a:spcPct val="130000"/>
+                        </a:lnSpc>
+                        <a:spcBef>
+                          <a:spcPts val="0"/>
+                        </a:spcBef>
+                        <a:spcAft>
+                          <a:spcPts val="0"/>
+                        </a:spcAft>
+                      </a:pPr>
+                      <a:r>
+                        <a:rPr lang="en-US" sz="1100" dirty="0">
+                          <a:solidFill>
+                            <a:srgbClr val="353744"/>
+                          </a:solidFill>
+                          <a:effectLst/>
+                          <a:latin typeface="Proxima Nova"/>
+                          <a:ea typeface="Proxima Nova"/>
+                          <a:cs typeface="Proxima Nova"/>
+                        </a:rPr>
+                        <a:t>Sprint 5</a:t>
+                      </a:r>
+                    </a:p>
+                  </a:txBody>
+                  <a:tcPr marL="63500" marR="63500" marT="63500" marB="63500"/>
+                </a:tc>
+                <a:tc>
+                  <a:txBody>
+                    <a:bodyPr/>
+                    <a:lstStyle/>
+                    <a:p>
+                      <a:pPr marL="0" marR="0">
+                        <a:lnSpc>
+                          <a:spcPct val="130000"/>
+                        </a:lnSpc>
+                        <a:spcBef>
+                          <a:spcPts val="0"/>
+                        </a:spcBef>
+                        <a:spcAft>
+                          <a:spcPts val="0"/>
+                        </a:spcAft>
+                      </a:pPr>
+                      <a:r>
+                        <a:rPr lang="en-US" sz="1100">
+                          <a:solidFill>
+                            <a:srgbClr val="353744"/>
+                          </a:solidFill>
+                          <a:effectLst/>
+                          <a:latin typeface="Proxima Nova"/>
+                          <a:ea typeface="Proxima Nova"/>
+                          <a:cs typeface="Proxima Nova"/>
+                        </a:rPr>
+                        <a:t>Reiterate through requirements</a:t>
+                      </a:r>
+                    </a:p>
+                  </a:txBody>
+                  <a:tcPr marL="63500" marR="63500" marT="63500" marB="63500"/>
+                </a:tc>
+                <a:tc>
+                  <a:txBody>
+                    <a:bodyPr/>
+                    <a:lstStyle/>
+                    <a:p>
+                      <a:pPr marL="0" marR="0">
+                        <a:lnSpc>
+                          <a:spcPct val="130000"/>
+                        </a:lnSpc>
+                        <a:spcBef>
+                          <a:spcPts val="0"/>
+                        </a:spcBef>
+                        <a:spcAft>
+                          <a:spcPts val="0"/>
+                        </a:spcAft>
+                      </a:pPr>
+                      <a:r>
+                        <a:rPr lang="en-US" sz="1100">
+                          <a:solidFill>
+                            <a:srgbClr val="353744"/>
+                          </a:solidFill>
+                          <a:effectLst/>
+                          <a:latin typeface="Proxima Nova"/>
+                          <a:ea typeface="Proxima Nova"/>
+                          <a:cs typeface="Proxima Nova"/>
+                        </a:rPr>
+                        <a:t> </a:t>
+                      </a:r>
+                    </a:p>
+                  </a:txBody>
+                  <a:tcPr marL="63500" marR="63500" marT="63500" marB="63500"/>
+                </a:tc>
+                <a:tc>
+                  <a:txBody>
+                    <a:bodyPr/>
+                    <a:lstStyle/>
+                    <a:p>
+                      <a:pPr marL="0" marR="0">
+                        <a:lnSpc>
+                          <a:spcPct val="130000"/>
+                        </a:lnSpc>
+                        <a:spcBef>
+                          <a:spcPts val="0"/>
+                        </a:spcBef>
+                        <a:spcAft>
+                          <a:spcPts val="0"/>
+                        </a:spcAft>
+                      </a:pPr>
+                      <a:r>
+                        <a:rPr lang="en-US" sz="1100">
+                          <a:solidFill>
+                            <a:srgbClr val="353744"/>
+                          </a:solidFill>
+                          <a:effectLst/>
+                          <a:latin typeface="Proxima Nova"/>
+                          <a:ea typeface="Proxima Nova"/>
+                          <a:cs typeface="Proxima Nova"/>
+                        </a:rPr>
+                        <a:t>Design additional functionality as needed</a:t>
+                      </a:r>
+                    </a:p>
+                  </a:txBody>
+                  <a:tcPr marL="63500" marR="63500" marT="63500" marB="63500"/>
+                </a:tc>
+                <a:tc>
+                  <a:txBody>
+                    <a:bodyPr/>
+                    <a:lstStyle/>
+                    <a:p>
+                      <a:pPr marL="0" marR="0">
+                        <a:lnSpc>
+                          <a:spcPct val="130000"/>
+                        </a:lnSpc>
+                        <a:spcBef>
+                          <a:spcPts val="0"/>
+                        </a:spcBef>
+                        <a:spcAft>
+                          <a:spcPts val="0"/>
+                        </a:spcAft>
+                      </a:pPr>
+                      <a:r>
+                        <a:rPr lang="en-US" sz="1100">
+                          <a:solidFill>
+                            <a:srgbClr val="353744"/>
+                          </a:solidFill>
+                          <a:effectLst/>
+                          <a:latin typeface="Proxima Nova"/>
+                          <a:ea typeface="Proxima Nova"/>
+                          <a:cs typeface="Proxima Nova"/>
+                        </a:rPr>
+                        <a:t>Finish beta, then final release</a:t>
+                      </a:r>
+                    </a:p>
+                  </a:txBody>
+                  <a:tcPr marL="63500" marR="63500" marT="63500" marB="63500"/>
+                </a:tc>
+                <a:tc>
+                  <a:txBody>
+                    <a:bodyPr/>
+                    <a:lstStyle/>
+                    <a:p>
+                      <a:pPr marL="0" marR="0">
+                        <a:lnSpc>
+                          <a:spcPct val="130000"/>
+                        </a:lnSpc>
+                        <a:spcBef>
+                          <a:spcPts val="0"/>
+                        </a:spcBef>
+                        <a:spcAft>
+                          <a:spcPts val="0"/>
+                        </a:spcAft>
+                      </a:pPr>
+                      <a:r>
+                        <a:rPr lang="en-US" sz="1100" dirty="0">
+                          <a:solidFill>
+                            <a:srgbClr val="353744"/>
+                          </a:solidFill>
+                          <a:effectLst/>
+                          <a:latin typeface="Proxima Nova"/>
+                          <a:ea typeface="Proxima Nova"/>
+                          <a:cs typeface="Proxima Nova"/>
+                        </a:rPr>
+                        <a:t>Extensive user acceptance testing</a:t>
+                      </a:r>
+                    </a:p>
+                  </a:txBody>
+                  <a:tcPr marL="63500" marR="63500" marT="63500" marB="63500"/>
+                </a:tc>
+                <a:extLst>
+                  <a:ext uri="{0D108BD9-81ED-4DB2-BD59-A6C34878D82A}">
+                    <a16:rowId xmlns:a16="http://schemas.microsoft.com/office/drawing/2014/main" val="1104096729"/>
+                  </a:ext>
+                </a:extLst>
+              </a:tr>
+            </a:tbl>
+          </a:graphicData>
+        </a:graphic>
+      </p:graphicFrame>
     </p:spTree>
     <p:extLst>
       <p:ext uri="{BB962C8B-B14F-4D97-AF65-F5344CB8AC3E}">
-        <p14:creationId xmlns:p14="http://schemas.microsoft.com/office/powerpoint/2010/main" val="2022313614"/>
+        <p14:creationId xmlns:p14="http://schemas.microsoft.com/office/powerpoint/2010/main" val="181057338"/>
       </p:ext>
     </p:extLst>
   </p:cSld>
   <p:clrMapOvr>
     <a:masterClrMapping/>
   </p:clrMapOvr>
+</p:sld>
+</file>
+
+<file path=ppt/slides/slide6.xml><?xml version="1.0" encoding="utf-8"?>
+<p:sld xmlns:a="http://schemas.openxmlformats.org/drawingml/2006/main" xmlns:r="http://schemas.openxmlformats.org/officeDocument/2006/relationships" xmlns:p="http://schemas.openxmlformats.org/presentationml/2006/main">
+  <p:cSld>
+    <p:spTree>
+      <p:nvGrpSpPr>
+        <p:cNvPr id="1" name=""/>
+        <p:cNvGrpSpPr/>
+        <p:nvPr/>
+      </p:nvGrpSpPr>
+      <p:grpSpPr>
+        <a:xfrm>
+          <a:off x="0" y="0"/>
+          <a:ext cx="0" cy="0"/>
+          <a:chOff x="0" y="0"/>
+          <a:chExt cx="0" cy="0"/>
+        </a:xfrm>
+      </p:grpSpPr>
+      <p:sp>
+        <p:nvSpPr>
+          <p:cNvPr id="2" name="Title 1"/>
+          <p:cNvSpPr>
+            <a:spLocks noGrp="1"/>
+          </p:cNvSpPr>
+          <p:nvPr>
+            <p:ph type="title"/>
+          </p:nvPr>
+        </p:nvSpPr>
+        <p:spPr/>
+        <p:txBody>
+          <a:bodyPr>
+            <a:normAutofit fontScale="90000"/>
+          </a:bodyPr>
+          <a:lstStyle/>
+          <a:p>
+            <a:r>
+              <a:rPr lang="en-US" dirty="0" smtClean="0"/>
+              <a:t>Milestones</a:t>
+            </a:r>
+            <a:endParaRPr lang="en-US" dirty="0"/>
+          </a:p>
+        </p:txBody>
+      </p:sp>
+      <p:sp>
+        <p:nvSpPr>
+          <p:cNvPr id="3" name="Content Placeholder 2"/>
+          <p:cNvSpPr>
+            <a:spLocks noGrp="1"/>
+          </p:cNvSpPr>
+          <p:nvPr>
+            <p:ph idx="1"/>
+          </p:nvPr>
+        </p:nvSpPr>
+        <p:spPr/>
+        <p:txBody>
+          <a:bodyPr/>
+          <a:lstStyle/>
+          <a:p>
+            <a:r>
+              <a:rPr lang="en-US" dirty="0" smtClean="0"/>
+              <a:t>SDP Submission</a:t>
+            </a:r>
+          </a:p>
+          <a:p>
+            <a:r>
+              <a:rPr lang="en-US" dirty="0" smtClean="0"/>
+              <a:t>Model Classed Established and Written</a:t>
+            </a:r>
+          </a:p>
+          <a:p>
+            <a:r>
+              <a:rPr lang="en-US" dirty="0" smtClean="0"/>
+              <a:t>Database Finished</a:t>
+            </a:r>
+          </a:p>
+          <a:p>
+            <a:r>
+              <a:rPr lang="en-US" dirty="0" smtClean="0"/>
+              <a:t>Web services Written</a:t>
+            </a:r>
+          </a:p>
+          <a:p>
+            <a:r>
+              <a:rPr lang="en-US" dirty="0" smtClean="0"/>
+              <a:t>Data Access Methods Established and Written</a:t>
+            </a:r>
+          </a:p>
+          <a:p>
+            <a:r>
+              <a:rPr lang="en-US" dirty="0" smtClean="0"/>
+              <a:t>GUI (Graphical User Interface)</a:t>
+            </a:r>
+          </a:p>
+          <a:p>
+            <a:r>
+              <a:rPr lang="en-US" dirty="0" smtClean="0"/>
+              <a:t>Project Submission</a:t>
+            </a:r>
+            <a:endParaRPr lang="en-US" dirty="0"/>
+          </a:p>
+        </p:txBody>
+      </p:sp>
+    </p:spTree>
+    <p:extLst>
+      <p:ext uri="{BB962C8B-B14F-4D97-AF65-F5344CB8AC3E}">
+        <p14:creationId xmlns:p14="http://schemas.microsoft.com/office/powerpoint/2010/main" val="395860095"/>
+      </p:ext>
+    </p:extLst>
+  </p:cSld>
+  <p:clrMapOvr>
+    <a:masterClrMapping/>
+  </p:clrMapOvr>
+  <p:timing>
+    <p:tnLst>
+      <p:par>
+        <p:cTn id="1" dur="indefinite" restart="never" nodeType="tmRoot"/>
+      </p:par>
+    </p:tnLst>
+  </p:timing>
+</p:sld>
+</file>
+
+<file path=ppt/slides/slide7.xml><?xml version="1.0" encoding="utf-8"?>
+<p:sld xmlns:a="http://schemas.openxmlformats.org/drawingml/2006/main" xmlns:r="http://schemas.openxmlformats.org/officeDocument/2006/relationships" xmlns:p="http://schemas.openxmlformats.org/presentationml/2006/main">
+  <p:cSld>
+    <p:spTree>
+      <p:nvGrpSpPr>
+        <p:cNvPr id="1" name=""/>
+        <p:cNvGrpSpPr/>
+        <p:nvPr/>
+      </p:nvGrpSpPr>
+      <p:grpSpPr>
+        <a:xfrm>
+          <a:off x="0" y="0"/>
+          <a:ext cx="0" cy="0"/>
+          <a:chOff x="0" y="0"/>
+          <a:chExt cx="0" cy="0"/>
+        </a:xfrm>
+      </p:grpSpPr>
+      <p:sp>
+        <p:nvSpPr>
+          <p:cNvPr id="2" name="Title 1"/>
+          <p:cNvSpPr>
+            <a:spLocks noGrp="1"/>
+          </p:cNvSpPr>
+          <p:nvPr>
+            <p:ph type="title"/>
+          </p:nvPr>
+        </p:nvSpPr>
+        <p:spPr/>
+        <p:txBody>
+          <a:bodyPr>
+            <a:normAutofit fontScale="90000"/>
+          </a:bodyPr>
+          <a:lstStyle/>
+          <a:p>
+            <a:r>
+              <a:rPr lang="en-US" dirty="0" smtClean="0"/>
+              <a:t>Risk Management Examples</a:t>
+            </a:r>
+            <a:endParaRPr lang="en-US" dirty="0"/>
+          </a:p>
+        </p:txBody>
+      </p:sp>
+      <p:sp>
+        <p:nvSpPr>
+          <p:cNvPr id="3" name="Content Placeholder 2"/>
+          <p:cNvSpPr>
+            <a:spLocks noGrp="1"/>
+          </p:cNvSpPr>
+          <p:nvPr>
+            <p:ph idx="1"/>
+          </p:nvPr>
+        </p:nvSpPr>
+        <p:spPr/>
+        <p:txBody>
+          <a:bodyPr/>
+          <a:lstStyle/>
+          <a:p>
+            <a:r>
+              <a:rPr lang="en-US" dirty="0" smtClean="0"/>
+              <a:t>Loss of a Team Member</a:t>
+            </a:r>
+          </a:p>
+          <a:p>
+            <a:r>
+              <a:rPr lang="en-US" dirty="0" smtClean="0"/>
+              <a:t>Underestimating Work Load</a:t>
+            </a:r>
+          </a:p>
+          <a:p>
+            <a:r>
+              <a:rPr lang="en-US" dirty="0" smtClean="0"/>
+              <a:t>Customer Rejects Finished work</a:t>
+            </a:r>
+          </a:p>
+        </p:txBody>
+      </p:sp>
+    </p:spTree>
+    <p:extLst>
+      <p:ext uri="{BB962C8B-B14F-4D97-AF65-F5344CB8AC3E}">
+        <p14:creationId xmlns:p14="http://schemas.microsoft.com/office/powerpoint/2010/main" val="3111797810"/>
+      </p:ext>
+    </p:extLst>
+  </p:cSld>
+  <p:clrMapOvr>
+    <a:masterClrMapping/>
+  </p:clrMapOvr>
+  <p:timing>
+    <p:tnLst>
+      <p:par>
+        <p:cTn id="1" dur="indefinite" restart="never" nodeType="tmRoot"/>
+      </p:par>
+    </p:tnLst>
+  </p:timing>
 </p:sld>
 </file>
 

--- a/Team11_Sprint1_Presentation.pptx
+++ b/Team11_Sprint1_Presentation.pptx
@@ -6,8 +6,8 @@
   </p:sldMasterIdLst>
   <p:sldIdLst>
     <p:sldId id="256" r:id="rId2"/>
-    <p:sldId id="258" r:id="rId3"/>
-    <p:sldId id="257" r:id="rId4"/>
+    <p:sldId id="257" r:id="rId3"/>
+    <p:sldId id="258" r:id="rId4"/>
     <p:sldId id="259" r:id="rId5"/>
     <p:sldId id="260" r:id="rId6"/>
     <p:sldId id="261" r:id="rId7"/>
@@ -335,7 +335,7 @@
             <a:fld id="{53074F12-AA26-4AC8-9962-C36BB8F32554}" type="datetimeFigureOut">
               <a:rPr lang="en-US" smtClean="0"/>
               <a:pPr/>
-              <a:t>1/30/2017</a:t>
+              <a:t>2/1/2017</a:t>
             </a:fld>
             <a:endParaRPr lang="en-US"/>
           </a:p>
@@ -590,7 +590,7 @@
             <a:fld id="{53074F12-AA26-4AC8-9962-C36BB8F32554}" type="datetimeFigureOut">
               <a:rPr lang="en-US" smtClean="0"/>
               <a:pPr/>
-              <a:t>1/30/2017</a:t>
+              <a:t>2/1/2017</a:t>
             </a:fld>
             <a:endParaRPr lang="en-US"/>
           </a:p>
@@ -762,7 +762,7 @@
             <a:fld id="{53074F12-AA26-4AC8-9962-C36BB8F32554}" type="datetimeFigureOut">
               <a:rPr lang="en-US" smtClean="0"/>
               <a:pPr/>
-              <a:t>1/30/2017</a:t>
+              <a:t>2/1/2017</a:t>
             </a:fld>
             <a:endParaRPr lang="en-US"/>
           </a:p>
@@ -944,7 +944,7 @@
             <a:fld id="{53074F12-AA26-4AC8-9962-C36BB8F32554}" type="datetimeFigureOut">
               <a:rPr lang="en-US" smtClean="0"/>
               <a:pPr/>
-              <a:t>1/30/2017</a:t>
+              <a:t>2/1/2017</a:t>
             </a:fld>
             <a:endParaRPr lang="en-US"/>
           </a:p>
@@ -1167,7 +1167,7 @@
             <a:fld id="{53074F12-AA26-4AC8-9962-C36BB8F32554}" type="datetimeFigureOut">
               <a:rPr lang="en-US" smtClean="0"/>
               <a:pPr/>
-              <a:t>1/30/2017</a:t>
+              <a:t>2/1/2017</a:t>
             </a:fld>
             <a:endParaRPr lang="en-US"/>
           </a:p>
@@ -1395,7 +1395,7 @@
             <a:fld id="{53074F12-AA26-4AC8-9962-C36BB8F32554}" type="datetimeFigureOut">
               <a:rPr lang="en-US" smtClean="0"/>
               <a:pPr/>
-              <a:t>1/30/2017</a:t>
+              <a:t>2/1/2017</a:t>
             </a:fld>
             <a:endParaRPr lang="en-US"/>
           </a:p>
@@ -1643,7 +1643,7 @@
             <a:fld id="{53074F12-AA26-4AC8-9962-C36BB8F32554}" type="datetimeFigureOut">
               <a:rPr lang="en-US" smtClean="0"/>
               <a:pPr/>
-              <a:t>1/30/2017</a:t>
+              <a:t>2/1/2017</a:t>
             </a:fld>
             <a:endParaRPr lang="en-US"/>
           </a:p>
@@ -1933,7 +1933,7 @@
             <a:fld id="{53074F12-AA26-4AC8-9962-C36BB8F32554}" type="datetimeFigureOut">
               <a:rPr lang="en-US" smtClean="0"/>
               <a:pPr/>
-              <a:t>1/30/2017</a:t>
+              <a:t>2/1/2017</a:t>
             </a:fld>
             <a:endParaRPr lang="en-US"/>
           </a:p>
@@ -2416,7 +2416,7 @@
             <a:fld id="{53074F12-AA26-4AC8-9962-C36BB8F32554}" type="datetimeFigureOut">
               <a:rPr lang="en-US" smtClean="0"/>
               <a:pPr/>
-              <a:t>1/30/2017</a:t>
+              <a:t>2/1/2017</a:t>
             </a:fld>
             <a:endParaRPr lang="en-US"/>
           </a:p>
@@ -2536,7 +2536,7 @@
             <a:fld id="{53074F12-AA26-4AC8-9962-C36BB8F32554}" type="datetimeFigureOut">
               <a:rPr lang="en-US" smtClean="0"/>
               <a:pPr/>
-              <a:t>1/30/2017</a:t>
+              <a:t>2/1/2017</a:t>
             </a:fld>
             <a:endParaRPr lang="en-US"/>
           </a:p>
@@ -2633,7 +2633,7 @@
             <a:fld id="{53074F12-AA26-4AC8-9962-C36BB8F32554}" type="datetimeFigureOut">
               <a:rPr lang="en-US" smtClean="0"/>
               <a:pPr/>
-              <a:t>1/30/2017</a:t>
+              <a:t>2/1/2017</a:t>
             </a:fld>
             <a:endParaRPr lang="en-US"/>
           </a:p>
@@ -2912,7 +2912,7 @@
             <a:fld id="{53074F12-AA26-4AC8-9962-C36BB8F32554}" type="datetimeFigureOut">
               <a:rPr lang="en-US" smtClean="0"/>
               <a:pPr/>
-              <a:t>1/30/2017</a:t>
+              <a:t>2/1/2017</a:t>
             </a:fld>
             <a:endParaRPr lang="en-US"/>
           </a:p>
@@ -3136,7 +3136,7 @@
             <a:fld id="{53074F12-AA26-4AC8-9962-C36BB8F32554}" type="datetimeFigureOut">
               <a:rPr lang="en-US" smtClean="0"/>
               <a:pPr/>
-              <a:t>1/30/2017</a:t>
+              <a:t>2/1/2017</a:t>
             </a:fld>
             <a:endParaRPr lang="en-US"/>
           </a:p>
@@ -3632,9 +3632,10 @@
           </a:bodyPr>
           <a:lstStyle/>
           <a:p>
-            <a:r>
-              <a:rPr lang="en-US" dirty="0" smtClean="0"/>
-              <a:t>Overview</a:t>
+            <a:pPr algn="l"/>
+            <a:r>
+              <a:rPr lang="en-US" dirty="0" smtClean="0"/>
+              <a:t>Personnel</a:t>
             </a:r>
             <a:endParaRPr lang="en-US" dirty="0"/>
           </a:p>
@@ -3657,49 +3658,26 @@
           <a:p>
             <a:r>
               <a:rPr lang="en-US" dirty="0" smtClean="0"/>
-              <a:t>O</a:t>
-            </a:r>
-            <a:r>
-              <a:rPr lang="en-US" dirty="0" smtClean="0"/>
-              <a:t>bjective: develop </a:t>
-            </a:r>
-            <a:r>
-              <a:rPr lang="en-US" dirty="0"/>
-              <a:t>a </a:t>
-            </a:r>
-            <a:r>
-              <a:rPr lang="en-US" dirty="0" smtClean="0"/>
-              <a:t>system which will maintain detailed information for a major trucking company.  </a:t>
-            </a:r>
-          </a:p>
-          <a:p>
-            <a:r>
-              <a:rPr lang="en-US" dirty="0" smtClean="0"/>
-              <a:t>Records, </a:t>
-            </a:r>
-            <a:r>
-              <a:rPr lang="en-US" dirty="0"/>
-              <a:t>current and historical, must </a:t>
-            </a:r>
-            <a:r>
-              <a:rPr lang="en-US" dirty="0" smtClean="0"/>
-              <a:t>be maintained for a ten-year period.  </a:t>
-            </a:r>
-          </a:p>
-          <a:p>
-            <a:r>
-              <a:rPr lang="en-US" dirty="0" smtClean="0"/>
-              <a:t>To </a:t>
-            </a:r>
-            <a:r>
-              <a:rPr lang="en-US" dirty="0"/>
-              <a:t>protect the privacy and security of </a:t>
-            </a:r>
-            <a:r>
-              <a:rPr lang="en-US" dirty="0" smtClean="0"/>
-              <a:t>company, user access will be limited to “need to know”.</a:t>
-            </a:r>
-            <a:endParaRPr lang="en-US" dirty="0"/>
+              <a:t>Donal Cavanaugh</a:t>
+            </a:r>
+          </a:p>
+          <a:p>
+            <a:r>
+              <a:rPr lang="en-US" dirty="0" smtClean="0"/>
+              <a:t>James Williamson</a:t>
+            </a:r>
+          </a:p>
+          <a:p>
+            <a:r>
+              <a:rPr lang="en-US" dirty="0" smtClean="0"/>
+              <a:t>Zach Johnson</a:t>
+            </a:r>
+          </a:p>
+          <a:p>
+            <a:r>
+              <a:rPr lang="en-US" dirty="0" smtClean="0"/>
+              <a:t>John Mullen</a:t>
+            </a:r>
           </a:p>
           <a:p>
             <a:endParaRPr lang="en-US" dirty="0"/>
@@ -3709,7 +3687,7 @@
     </p:spTree>
     <p:extLst>
       <p:ext uri="{BB962C8B-B14F-4D97-AF65-F5344CB8AC3E}">
-        <p14:creationId xmlns:p14="http://schemas.microsoft.com/office/powerpoint/2010/main" val="2371762642"/>
+        <p14:creationId xmlns:p14="http://schemas.microsoft.com/office/powerpoint/2010/main" val="4103309497"/>
       </p:ext>
     </p:extLst>
   </p:cSld>
@@ -3760,10 +3738,9 @@
           </a:bodyPr>
           <a:lstStyle/>
           <a:p>
-            <a:pPr algn="l"/>
-            <a:r>
-              <a:rPr lang="en-US" dirty="0" smtClean="0"/>
-              <a:t>Personnel</a:t>
+            <a:r>
+              <a:rPr lang="en-US" dirty="0" smtClean="0"/>
+              <a:t>Overview</a:t>
             </a:r>
             <a:endParaRPr lang="en-US" dirty="0"/>
           </a:p>
@@ -3786,26 +3763,45 @@
           <a:p>
             <a:r>
               <a:rPr lang="en-US" dirty="0" smtClean="0"/>
-              <a:t>Donal Cavanaugh</a:t>
-            </a:r>
-          </a:p>
-          <a:p>
-            <a:r>
-              <a:rPr lang="en-US" dirty="0" smtClean="0"/>
-              <a:t>James Williamson</a:t>
-            </a:r>
-          </a:p>
-          <a:p>
-            <a:r>
-              <a:rPr lang="en-US" dirty="0" smtClean="0"/>
-              <a:t>Zach Johnson</a:t>
-            </a:r>
-          </a:p>
-          <a:p>
-            <a:r>
-              <a:rPr lang="en-US" dirty="0" smtClean="0"/>
-              <a:t>John Mullen</a:t>
-            </a:r>
+              <a:t>Objective: develop </a:t>
+            </a:r>
+            <a:r>
+              <a:rPr lang="en-US" dirty="0"/>
+              <a:t>a </a:t>
+            </a:r>
+            <a:r>
+              <a:rPr lang="en-US" dirty="0" smtClean="0"/>
+              <a:t>system which will maintain detailed information for a major trucking company.  </a:t>
+            </a:r>
+          </a:p>
+          <a:p>
+            <a:r>
+              <a:rPr lang="en-US" dirty="0" smtClean="0"/>
+              <a:t>Records, </a:t>
+            </a:r>
+            <a:r>
+              <a:rPr lang="en-US" dirty="0"/>
+              <a:t>current and historical, must </a:t>
+            </a:r>
+            <a:r>
+              <a:rPr lang="en-US" dirty="0" smtClean="0"/>
+              <a:t>be maintained for a ten-year period.  </a:t>
+            </a:r>
+          </a:p>
+          <a:p>
+            <a:r>
+              <a:rPr lang="en-US" dirty="0" smtClean="0"/>
+              <a:t>To </a:t>
+            </a:r>
+            <a:r>
+              <a:rPr lang="en-US" dirty="0"/>
+              <a:t>protect the privacy and security of </a:t>
+            </a:r>
+            <a:r>
+              <a:rPr lang="en-US" dirty="0" smtClean="0"/>
+              <a:t>company, user access will be limited to “need to know”.</a:t>
+            </a:r>
+            <a:endParaRPr lang="en-US" dirty="0"/>
           </a:p>
           <a:p>
             <a:endParaRPr lang="en-US" dirty="0"/>
@@ -3815,7 +3811,7 @@
     </p:spTree>
     <p:extLst>
       <p:ext uri="{BB962C8B-B14F-4D97-AF65-F5344CB8AC3E}">
-        <p14:creationId xmlns:p14="http://schemas.microsoft.com/office/powerpoint/2010/main" val="4103309497"/>
+        <p14:creationId xmlns:p14="http://schemas.microsoft.com/office/powerpoint/2010/main" val="2371762642"/>
       </p:ext>
     </p:extLst>
   </p:cSld>
